--- a/NIVYASREE.C_MTech-Project_Review3_PPT_Template_V1.pptx
+++ b/NIVYASREE.C_MTech-Project_Review3_PPT_Template_V1.pptx
@@ -11,8 +11,8 @@
     <p:sldId id="2147470487" r:id="rId5"/>
     <p:sldId id="2147470504" r:id="rId6"/>
     <p:sldId id="2147470494" r:id="rId7"/>
-    <p:sldId id="2147470501" r:id="rId8"/>
-    <p:sldId id="2147470505" r:id="rId9"/>
+    <p:sldId id="2147470505" r:id="rId8"/>
+    <p:sldId id="2147470501" r:id="rId9"/>
     <p:sldId id="2147470506" r:id="rId10"/>
     <p:sldId id="2147470498" r:id="rId11"/>
     <p:sldId id="2147470507" r:id="rId12"/>
@@ -133,7 +133,7 @@
 <file path=ppt/revisionInfo.xml><?xml version="1.0" encoding="utf-8"?>
 <p1510:revInfo xmlns:a="http://schemas.openxmlformats.org/drawingml/2006/main" xmlns:r="http://schemas.openxmlformats.org/officeDocument/2006/relationships" xmlns:p1510="http://schemas.microsoft.com/office/powerpoint/2015/10/main">
   <p1510:revLst>
-    <p1510:client id="{0519FD69-17CF-423C-ACA9-ECAF9EA3F47E}" v="22" dt="2025-10-11T19:10:47.217"/>
+    <p1510:client id="{0519FD69-17CF-423C-ACA9-ECAF9EA3F47E}" v="109" dt="2025-10-13T04:47:04.550"/>
   </p1510:revLst>
 </p1510:revInfo>
 </file>
@@ -142,8 +142,8 @@
 <pc:chgInfo xmlns:a="http://schemas.openxmlformats.org/drawingml/2006/main" xmlns:r="http://schemas.openxmlformats.org/officeDocument/2006/relationships" xmlns:ac="http://schemas.microsoft.com/office/drawing/2013/main/command" xmlns:pc="http://schemas.microsoft.com/office/powerpoint/2013/main/command">
   <pc:docChgLst>
     <pc:chgData name="Nivyasree C" userId="d73504bf-529b-406b-bd4b-281e95f8953a" providerId="ADAL" clId="{1DD16DA2-6E5B-47CD-8143-2444911DCB9F}"/>
-    <pc:docChg chg="undo custSel modSld">
-      <pc:chgData name="Nivyasree C" userId="d73504bf-529b-406b-bd4b-281e95f8953a" providerId="ADAL" clId="{1DD16DA2-6E5B-47CD-8143-2444911DCB9F}" dt="2025-10-11T19:10:51.517" v="858" actId="14100"/>
+    <pc:docChg chg="undo custSel modSld sldOrd">
+      <pc:chgData name="Nivyasree C" userId="d73504bf-529b-406b-bd4b-281e95f8953a" providerId="ADAL" clId="{1DD16DA2-6E5B-47CD-8143-2444911DCB9F}" dt="2025-10-13T04:47:25.367" v="947"/>
       <pc:docMkLst>
         <pc:docMk/>
       </pc:docMkLst>
@@ -201,11 +201,19 @@
         </pc:spChg>
       </pc:sldChg>
       <pc:sldChg chg="modSp mod">
-        <pc:chgData name="Nivyasree C" userId="d73504bf-529b-406b-bd4b-281e95f8953a" providerId="ADAL" clId="{1DD16DA2-6E5B-47CD-8143-2444911DCB9F}" dt="2025-10-11T19:05:27.202" v="190" actId="14100"/>
+        <pc:chgData name="Nivyasree C" userId="d73504bf-529b-406b-bd4b-281e95f8953a" providerId="ADAL" clId="{1DD16DA2-6E5B-47CD-8143-2444911DCB9F}" dt="2025-10-13T04:45:42.014" v="939" actId="20577"/>
         <pc:sldMkLst>
           <pc:docMk/>
           <pc:sldMk cId="2034681921" sldId="2147470494"/>
         </pc:sldMkLst>
+        <pc:spChg chg="mod">
+          <ac:chgData name="Nivyasree C" userId="d73504bf-529b-406b-bd4b-281e95f8953a" providerId="ADAL" clId="{1DD16DA2-6E5B-47CD-8143-2444911DCB9F}" dt="2025-10-13T04:45:42.014" v="939" actId="20577"/>
+          <ac:spMkLst>
+            <pc:docMk/>
+            <pc:sldMk cId="2034681921" sldId="2147470494"/>
+            <ac:spMk id="2" creationId="{D325C8EF-A5DD-AB22-0372-51B9ABE63526}"/>
+          </ac:spMkLst>
+        </pc:spChg>
         <pc:spChg chg="mod">
           <ac:chgData name="Nivyasree C" userId="d73504bf-529b-406b-bd4b-281e95f8953a" providerId="ADAL" clId="{1DD16DA2-6E5B-47CD-8143-2444911DCB9F}" dt="2025-10-11T19:05:27.202" v="190" actId="14100"/>
           <ac:spMkLst>
@@ -276,12 +284,20 @@
           </ac:spMkLst>
         </pc:spChg>
       </pc:sldChg>
-      <pc:sldChg chg="modSp mod">
-        <pc:chgData name="Nivyasree C" userId="d73504bf-529b-406b-bd4b-281e95f8953a" providerId="ADAL" clId="{1DD16DA2-6E5B-47CD-8143-2444911DCB9F}" dt="2025-10-11T19:06:02.030" v="266" actId="20577"/>
+      <pc:sldChg chg="modSp mod ord modAnim">
+        <pc:chgData name="Nivyasree C" userId="d73504bf-529b-406b-bd4b-281e95f8953a" providerId="ADAL" clId="{1DD16DA2-6E5B-47CD-8143-2444911DCB9F}" dt="2025-10-13T04:47:25.367" v="947"/>
         <pc:sldMkLst>
           <pc:docMk/>
           <pc:sldMk cId="2015818812" sldId="2147470501"/>
         </pc:sldMkLst>
+        <pc:spChg chg="mod">
+          <ac:chgData name="Nivyasree C" userId="d73504bf-529b-406b-bd4b-281e95f8953a" providerId="ADAL" clId="{1DD16DA2-6E5B-47CD-8143-2444911DCB9F}" dt="2025-10-13T04:47:04.550" v="945" actId="255"/>
+          <ac:spMkLst>
+            <pc:docMk/>
+            <pc:sldMk cId="2015818812" sldId="2147470501"/>
+            <ac:spMk id="2" creationId="{6E2C3DBE-E507-D889-A890-2C56D2A659BE}"/>
+          </ac:spMkLst>
+        </pc:spChg>
         <pc:spChg chg="mod">
           <ac:chgData name="Nivyasree C" userId="d73504bf-529b-406b-bd4b-281e95f8953a" providerId="ADAL" clId="{1DD16DA2-6E5B-47CD-8143-2444911DCB9F}" dt="2025-10-11T19:06:02.030" v="266" actId="20577"/>
           <ac:spMkLst>
@@ -12318,7 +12334,7 @@
                   <a:schemeClr val="tx1"/>
                 </a:solidFill>
               </a:rPr>
-              <a:t>This project empowers users to proactively prevent diabetes with an AI-Powered Health Advisor that replaces ineffective, generic advice with personalized feedback. The tool provides a real-time risk score and nutritional analysis, offering immediate recommendations to help users connect their daily habits to their long-term health</a:t>
+              <a:t>This project empowers users to proactively prevent diabetes with an AI-Powered Health Advisor that replaces ineffective, generic advice with personalized feedback. The tool provides a real-time risk score and food intake offering immediate recommendations to help users connect their daily habits to their long-term health</a:t>
             </a:r>
             <a:r>
               <a:rPr lang="en-US" b="0" dirty="0"/>
@@ -12608,7 +12624,7 @@
         <p:cNvPr id="1" name="">
           <a:extLst>
             <a:ext uri="{FF2B5EF4-FFF2-40B4-BE49-F238E27FC236}">
-              <a16:creationId xmlns:a16="http://schemas.microsoft.com/office/drawing/2014/main" id="{CC13BE5C-251C-23E3-8F19-EE2DB3009E53}"/>
+              <a16:creationId xmlns:a16="http://schemas.microsoft.com/office/drawing/2014/main" id="{E08D3AC4-74D2-F83A-0867-36C67A7DF03C}"/>
             </a:ext>
           </a:extLst>
         </p:cNvPr>
@@ -12628,7 +12644,7 @@
           <p:cNvPr id="2" name="Text Placeholder 1">
             <a:extLst>
               <a:ext uri="{FF2B5EF4-FFF2-40B4-BE49-F238E27FC236}">
-                <a16:creationId xmlns:a16="http://schemas.microsoft.com/office/drawing/2014/main" id="{6E2C3DBE-E507-D889-A890-2C56D2A659BE}"/>
+                <a16:creationId xmlns:a16="http://schemas.microsoft.com/office/drawing/2014/main" id="{DFF5E2BE-1367-34BC-BBFD-E0C726BF22F1}"/>
               </a:ext>
             </a:extLst>
           </p:cNvPr>
@@ -12742,7 +12758,7 @@
           <p:cNvPr id="3" name="TextBox 2">
             <a:extLst>
               <a:ext uri="{FF2B5EF4-FFF2-40B4-BE49-F238E27FC236}">
-                <a16:creationId xmlns:a16="http://schemas.microsoft.com/office/drawing/2014/main" id="{64ABB59C-76FD-5246-4EEE-72212BF64AE4}"/>
+                <a16:creationId xmlns:a16="http://schemas.microsoft.com/office/drawing/2014/main" id="{C92ADC81-E385-4590-A43F-245E23F723EC}"/>
               </a:ext>
             </a:extLst>
           </p:cNvPr>
@@ -12751,7 +12767,7 @@
         </p:nvSpPr>
         <p:spPr>
           <a:xfrm>
-            <a:off x="255996" y="502545"/>
+            <a:off x="266882" y="502545"/>
             <a:ext cx="10624338" cy="646331"/>
           </a:xfrm>
           <a:prstGeom prst="rect">
@@ -12802,7 +12818,7 @@
           <p:cNvPr id="5" name="Straight Connector 4">
             <a:extLst>
               <a:ext uri="{FF2B5EF4-FFF2-40B4-BE49-F238E27FC236}">
-                <a16:creationId xmlns:a16="http://schemas.microsoft.com/office/drawing/2014/main" id="{04BC82A4-B382-2A00-3070-17B2B47F1694}"/>
+                <a16:creationId xmlns:a16="http://schemas.microsoft.com/office/drawing/2014/main" id="{4B5BBA38-64CE-A97D-1099-DF7A3FD815BB}"/>
               </a:ext>
             </a:extLst>
           </p:cNvPr>
@@ -12845,7 +12861,7 @@
           <p:cNvPr id="4" name="TextBox 3">
             <a:extLst>
               <a:ext uri="{FF2B5EF4-FFF2-40B4-BE49-F238E27FC236}">
-                <a16:creationId xmlns:a16="http://schemas.microsoft.com/office/drawing/2014/main" id="{68E73589-106E-E0B7-D90D-C7E75D0CB2B6}"/>
+                <a16:creationId xmlns:a16="http://schemas.microsoft.com/office/drawing/2014/main" id="{B779DF99-E87C-7E90-18C3-1EACD9E8659D}"/>
               </a:ext>
             </a:extLst>
           </p:cNvPr>
@@ -12854,8 +12870,8 @@
         </p:nvSpPr>
         <p:spPr>
           <a:xfrm>
-            <a:off x="2873829" y="57036"/>
-            <a:ext cx="9318171" cy="923330"/>
+            <a:off x="3679371" y="57036"/>
+            <a:ext cx="8512629" cy="923330"/>
           </a:xfrm>
           <a:prstGeom prst="rect">
             <a:avLst/>
@@ -12901,7 +12917,7 @@
     </p:spTree>
     <p:extLst>
       <p:ext uri="{BB962C8B-B14F-4D97-AF65-F5344CB8AC3E}">
-        <p14:creationId xmlns:p14="http://schemas.microsoft.com/office/powerpoint/2010/main" val="2015818812"/>
+        <p14:creationId xmlns:p14="http://schemas.microsoft.com/office/powerpoint/2010/main" val="1458743759"/>
       </p:ext>
     </p:extLst>
   </p:cSld>
@@ -13137,7 +13153,7 @@
         <p:cNvPr id="1" name="">
           <a:extLst>
             <a:ext uri="{FF2B5EF4-FFF2-40B4-BE49-F238E27FC236}">
-              <a16:creationId xmlns:a16="http://schemas.microsoft.com/office/drawing/2014/main" id="{E08D3AC4-74D2-F83A-0867-36C67A7DF03C}"/>
+              <a16:creationId xmlns:a16="http://schemas.microsoft.com/office/drawing/2014/main" id="{CC13BE5C-251C-23E3-8F19-EE2DB3009E53}"/>
             </a:ext>
           </a:extLst>
         </p:cNvPr>
@@ -13157,7 +13173,7 @@
           <p:cNvPr id="2" name="Text Placeholder 1">
             <a:extLst>
               <a:ext uri="{FF2B5EF4-FFF2-40B4-BE49-F238E27FC236}">
-                <a16:creationId xmlns:a16="http://schemas.microsoft.com/office/drawing/2014/main" id="{DFF5E2BE-1367-34BC-BBFD-E0C726BF22F1}"/>
+                <a16:creationId xmlns:a16="http://schemas.microsoft.com/office/drawing/2014/main" id="{6E2C3DBE-E507-D889-A890-2C56D2A659BE}"/>
               </a:ext>
             </a:extLst>
           </p:cNvPr>
@@ -13178,24 +13194,16 @@
           <a:bodyPr/>
           <a:lstStyle/>
           <a:p>
-            <a:pPr>
+            <a:pPr marL="457200" lvl="1" indent="0">
               <a:lnSpc>
                 <a:spcPct val="150000"/>
               </a:lnSpc>
+              <a:buNone/>
             </a:pPr>
             <a:r>
-              <a:rPr lang="en-US" dirty="0">
-                <a:solidFill>
-                  <a:schemeClr val="tx1"/>
-                </a:solidFill>
-              </a:rPr>
-              <a:t>Core Feature 1: Diabetes Risk Prediction</a:t>
-            </a:r>
-            <a:endParaRPr lang="en-US" b="0" dirty="0">
-              <a:solidFill>
-                <a:schemeClr val="tx1"/>
-              </a:solidFill>
-            </a:endParaRPr>
+              <a:rPr lang="en-US" sz="2800" b="1" dirty="0"/>
+              <a:t>Core Feature 2: Nutrition Analysis</a:t>
+            </a:r>
           </a:p>
           <a:p>
             <a:pPr lvl="1">
@@ -13205,11 +13213,11 @@
             </a:pPr>
             <a:r>
               <a:rPr lang="en-US" sz="2800" b="1" dirty="0"/>
-              <a:t>Model Used:</a:t>
+              <a:t>Models Used:</a:t>
             </a:r>
             <a:r>
               <a:rPr lang="en-US" sz="2800" dirty="0"/>
-              <a:t> Random Forest Classifier.</a:t>
+              <a:t> Two Linear Regression models.</a:t>
             </a:r>
           </a:p>
           <a:p>
@@ -13224,7 +13232,7 @@
             </a:r>
             <a:r>
               <a:rPr lang="en-US" sz="2800" dirty="0"/>
-              <a:t> Clinical data such as blood glucose level, BMI, blood pressure, and age.</a:t>
+              <a:t> A text-based list of meals consumed.</a:t>
             </a:r>
           </a:p>
           <a:p>
@@ -13235,21 +13243,33 @@
             </a:pPr>
             <a:r>
               <a:rPr lang="en-US" sz="2800" b="1" dirty="0"/>
+              <a:t>Technique:</a:t>
+            </a:r>
+            <a:r>
+              <a:rPr lang="en-US" sz="2800" dirty="0"/>
+              <a:t> Uses TF-IDF (Term Frequency-Inverse Document Frequency) to convert meal descriptions into numerical features.</a:t>
+            </a:r>
+          </a:p>
+          <a:p>
+            <a:pPr lvl="1">
+              <a:lnSpc>
+                <a:spcPct val="150000"/>
+              </a:lnSpc>
+            </a:pPr>
+            <a:r>
+              <a:rPr lang="en-US" sz="2800" b="1" dirty="0"/>
               <a:t>Output:</a:t>
             </a:r>
             <a:r>
               <a:rPr lang="en-US" sz="2800" dirty="0"/>
-              <a:t> Classifies the user's diabetes risk into "Low," "Moderate," or "High.“</a:t>
+              <a:t> Estimates total calorie and sugar intake from the logged meals.</a:t>
             </a:r>
           </a:p>
           <a:p>
             <a:pPr marL="457200" lvl="1" indent="0">
               <a:buNone/>
             </a:pPr>
-            <a:r>
-              <a:rPr lang="en-US" dirty="0"/>
-              <a:t>.</a:t>
-            </a:r>
+            <a:endParaRPr lang="en-US" dirty="0"/>
           </a:p>
           <a:p>
             <a:pPr marL="0" indent="0">
@@ -13271,7 +13291,7 @@
           <p:cNvPr id="3" name="TextBox 2">
             <a:extLst>
               <a:ext uri="{FF2B5EF4-FFF2-40B4-BE49-F238E27FC236}">
-                <a16:creationId xmlns:a16="http://schemas.microsoft.com/office/drawing/2014/main" id="{C92ADC81-E385-4590-A43F-245E23F723EC}"/>
+                <a16:creationId xmlns:a16="http://schemas.microsoft.com/office/drawing/2014/main" id="{64ABB59C-76FD-5246-4EEE-72212BF64AE4}"/>
               </a:ext>
             </a:extLst>
           </p:cNvPr>
@@ -13280,7 +13300,7 @@
         </p:nvSpPr>
         <p:spPr>
           <a:xfrm>
-            <a:off x="266882" y="502545"/>
+            <a:off x="255996" y="502545"/>
             <a:ext cx="10624338" cy="646331"/>
           </a:xfrm>
           <a:prstGeom prst="rect">
@@ -13331,7 +13351,7 @@
           <p:cNvPr id="5" name="Straight Connector 4">
             <a:extLst>
               <a:ext uri="{FF2B5EF4-FFF2-40B4-BE49-F238E27FC236}">
-                <a16:creationId xmlns:a16="http://schemas.microsoft.com/office/drawing/2014/main" id="{4B5BBA38-64CE-A97D-1099-DF7A3FD815BB}"/>
+                <a16:creationId xmlns:a16="http://schemas.microsoft.com/office/drawing/2014/main" id="{04BC82A4-B382-2A00-3070-17B2B47F1694}"/>
               </a:ext>
             </a:extLst>
           </p:cNvPr>
@@ -13374,7 +13394,7 @@
           <p:cNvPr id="4" name="TextBox 3">
             <a:extLst>
               <a:ext uri="{FF2B5EF4-FFF2-40B4-BE49-F238E27FC236}">
-                <a16:creationId xmlns:a16="http://schemas.microsoft.com/office/drawing/2014/main" id="{B779DF99-E87C-7E90-18C3-1EACD9E8659D}"/>
+                <a16:creationId xmlns:a16="http://schemas.microsoft.com/office/drawing/2014/main" id="{68E73589-106E-E0B7-D90D-C7E75D0CB2B6}"/>
               </a:ext>
             </a:extLst>
           </p:cNvPr>
@@ -13383,8 +13403,8 @@
         </p:nvSpPr>
         <p:spPr>
           <a:xfrm>
-            <a:off x="3679371" y="57036"/>
-            <a:ext cx="8512629" cy="923330"/>
+            <a:off x="2873829" y="57036"/>
+            <a:ext cx="9318171" cy="923330"/>
           </a:xfrm>
           <a:prstGeom prst="rect">
             <a:avLst/>
@@ -13430,7 +13450,7 @@
     </p:spTree>
     <p:extLst>
       <p:ext uri="{BB962C8B-B14F-4D97-AF65-F5344CB8AC3E}">
-        <p14:creationId xmlns:p14="http://schemas.microsoft.com/office/powerpoint/2010/main" val="1458743759"/>
+        <p14:creationId xmlns:p14="http://schemas.microsoft.com/office/powerpoint/2010/main" val="2015818812"/>
       </p:ext>
     </p:extLst>
   </p:cSld>
@@ -13500,15 +13520,33 @@
                                   </p:childTnLst>
                                 </p:cTn>
                               </p:par>
+                            </p:childTnLst>
+                          </p:cTn>
+                        </p:par>
+                      </p:childTnLst>
+                    </p:cTn>
+                  </p:par>
+                  <p:par>
+                    <p:cTn id="7" fill="hold">
+                      <p:stCondLst>
+                        <p:cond delay="indefinite"/>
+                      </p:stCondLst>
+                      <p:childTnLst>
+                        <p:par>
+                          <p:cTn id="8" fill="hold">
+                            <p:stCondLst>
+                              <p:cond delay="0"/>
+                            </p:stCondLst>
+                            <p:childTnLst>
                               <p:par>
-                                <p:cTn id="7" presetID="1" presetClass="entr" presetSubtype="0" fill="hold" grpId="0" nodeType="withEffect">
+                                <p:cTn id="9" presetID="1" presetClass="entr" presetSubtype="0" fill="hold" grpId="0" nodeType="clickEffect">
                                   <p:stCondLst>
                                     <p:cond delay="0"/>
                                   </p:stCondLst>
                                   <p:childTnLst>
                                     <p:set>
                                       <p:cBhvr>
-                                        <p:cTn id="8" dur="1" fill="hold">
+                                        <p:cTn id="10" dur="1" fill="hold">
                                           <p:stCondLst>
                                             <p:cond delay="0"/>
                                           </p:stCondLst>
@@ -13531,15 +13569,33 @@
                                   </p:childTnLst>
                                 </p:cTn>
                               </p:par>
+                            </p:childTnLst>
+                          </p:cTn>
+                        </p:par>
+                      </p:childTnLst>
+                    </p:cTn>
+                  </p:par>
+                  <p:par>
+                    <p:cTn id="11" fill="hold">
+                      <p:stCondLst>
+                        <p:cond delay="indefinite"/>
+                      </p:stCondLst>
+                      <p:childTnLst>
+                        <p:par>
+                          <p:cTn id="12" fill="hold">
+                            <p:stCondLst>
+                              <p:cond delay="0"/>
+                            </p:stCondLst>
+                            <p:childTnLst>
                               <p:par>
-                                <p:cTn id="9" presetID="1" presetClass="entr" presetSubtype="0" fill="hold" grpId="0" nodeType="withEffect">
+                                <p:cTn id="13" presetID="1" presetClass="entr" presetSubtype="0" fill="hold" grpId="0" nodeType="clickEffect">
                                   <p:stCondLst>
                                     <p:cond delay="0"/>
                                   </p:stCondLst>
                                   <p:childTnLst>
                                     <p:set>
                                       <p:cBhvr>
-                                        <p:cTn id="10" dur="1" fill="hold">
+                                        <p:cTn id="14" dur="1" fill="hold">
                                           <p:stCondLst>
                                             <p:cond delay="0"/>
                                           </p:stCondLst>
@@ -13562,15 +13618,33 @@
                                   </p:childTnLst>
                                 </p:cTn>
                               </p:par>
+                            </p:childTnLst>
+                          </p:cTn>
+                        </p:par>
+                      </p:childTnLst>
+                    </p:cTn>
+                  </p:par>
+                  <p:par>
+                    <p:cTn id="15" fill="hold">
+                      <p:stCondLst>
+                        <p:cond delay="indefinite"/>
+                      </p:stCondLst>
+                      <p:childTnLst>
+                        <p:par>
+                          <p:cTn id="16" fill="hold">
+                            <p:stCondLst>
+                              <p:cond delay="0"/>
+                            </p:stCondLst>
+                            <p:childTnLst>
                               <p:par>
-                                <p:cTn id="11" presetID="1" presetClass="entr" presetSubtype="0" fill="hold" grpId="0" nodeType="withEffect">
+                                <p:cTn id="17" presetID="1" presetClass="entr" presetSubtype="0" fill="hold" grpId="0" nodeType="clickEffect">
                                   <p:stCondLst>
                                     <p:cond delay="0"/>
                                   </p:stCondLst>
                                   <p:childTnLst>
                                     <p:set>
                                       <p:cBhvr>
-                                        <p:cTn id="12" dur="1" fill="hold">
+                                        <p:cTn id="18" dur="1" fill="hold">
                                           <p:stCondLst>
                                             <p:cond delay="0"/>
                                           </p:stCondLst>
@@ -13593,15 +13667,33 @@
                                   </p:childTnLst>
                                 </p:cTn>
                               </p:par>
+                            </p:childTnLst>
+                          </p:cTn>
+                        </p:par>
+                      </p:childTnLst>
+                    </p:cTn>
+                  </p:par>
+                  <p:par>
+                    <p:cTn id="19" fill="hold">
+                      <p:stCondLst>
+                        <p:cond delay="indefinite"/>
+                      </p:stCondLst>
+                      <p:childTnLst>
+                        <p:par>
+                          <p:cTn id="20" fill="hold">
+                            <p:stCondLst>
+                              <p:cond delay="0"/>
+                            </p:stCondLst>
+                            <p:childTnLst>
                               <p:par>
-                                <p:cTn id="13" presetID="1" presetClass="entr" presetSubtype="0" fill="hold" grpId="0" nodeType="withEffect">
+                                <p:cTn id="21" presetID="1" presetClass="entr" presetSubtype="0" fill="hold" grpId="0" nodeType="clickEffect">
                                   <p:stCondLst>
                                     <p:cond delay="0"/>
                                   </p:stCondLst>
                                   <p:childTnLst>
                                     <p:set>
                                       <p:cBhvr>
-                                        <p:cTn id="14" dur="1" fill="hold">
+                                        <p:cTn id="22" dur="1" fill="hold">
                                           <p:stCondLst>
                                             <p:cond delay="0"/>
                                           </p:stCondLst>
